--- a/3MRF SIMP-AAG-BCP Service Management System - Logistics.pptx
+++ b/3MRF SIMP-AAG-BCP Service Management System - Logistics.pptx
@@ -118,7 +118,7 @@
   </p:defaultTextStyle>
   <p:extLst>
     <p:ext uri="{EFAFB233-063F-42B5-8137-9DF3F51BA10A}">
-      <p15:sldGuideLst xmlns:p15="http://schemas.microsoft.com/office/powerpoint/2012/main" xmlns=""/>
+      <p15:sldGuideLst xmlns="" xmlns:p15="http://schemas.microsoft.com/office/powerpoint/2012/main"/>
     </p:ext>
   </p:extLst>
 </p:presentation>
@@ -206,7 +206,7 @@
           <a:p>
             <a:fld id="{3EFD42F7-718C-4B98-AAEC-167E6DDD60A7}" type="datetimeFigureOut">
               <a:rPr lang="en-US" smtClean="0"/>
-              <a:t>6/6/2022</a:t>
+              <a:t>6/7/2022</a:t>
             </a:fld>
             <a:endParaRPr lang="en-US"/>
           </a:p>
@@ -724,13 +724,13 @@
   <p:clrMapOvr>
     <a:masterClrMapping/>
   </p:clrMapOvr>
-  <mc:AlternateContent xmlns:mc="http://schemas.openxmlformats.org/markup-compatibility/2006">
-    <mc:Choice xmlns:p14="http://schemas.microsoft.com/office/powerpoint/2010/main" Requires="p14">
+  <mc:AlternateContent xmlns:mc="http://schemas.openxmlformats.org/markup-compatibility/2006" xmlns:p14="http://schemas.microsoft.com/office/powerpoint/2010/main">
+    <mc:Choice Requires="p14">
       <p:transition spd="med" p14:dur="700">
         <p:fade/>
       </p:transition>
     </mc:Choice>
-    <mc:Fallback>
+    <mc:Fallback xmlns="">
       <p:transition spd="med">
         <p:fade/>
       </p:transition>
@@ -1052,13 +1052,13 @@
   <p:clrMapOvr>
     <a:masterClrMapping/>
   </p:clrMapOvr>
-  <mc:AlternateContent xmlns:mc="http://schemas.openxmlformats.org/markup-compatibility/2006">
-    <mc:Choice xmlns:p14="http://schemas.microsoft.com/office/powerpoint/2010/main" Requires="p14">
+  <mc:AlternateContent xmlns:mc="http://schemas.openxmlformats.org/markup-compatibility/2006" xmlns:p14="http://schemas.microsoft.com/office/powerpoint/2010/main">
+    <mc:Choice Requires="p14">
       <p:transition spd="med" p14:dur="700">
         <p:fade/>
       </p:transition>
     </mc:Choice>
-    <mc:Fallback>
+    <mc:Fallback xmlns="">
       <p:transition spd="med">
         <p:fade/>
       </p:transition>
@@ -1416,13 +1416,13 @@
   <p:clrMapOvr>
     <a:masterClrMapping/>
   </p:clrMapOvr>
-  <mc:AlternateContent xmlns:mc="http://schemas.openxmlformats.org/markup-compatibility/2006">
-    <mc:Choice xmlns:p14="http://schemas.microsoft.com/office/powerpoint/2010/main" Requires="p14">
+  <mc:AlternateContent xmlns:mc="http://schemas.openxmlformats.org/markup-compatibility/2006" xmlns:p14="http://schemas.microsoft.com/office/powerpoint/2010/main">
+    <mc:Choice Requires="p14">
       <p:transition spd="med" p14:dur="700">
         <p:fade/>
       </p:transition>
     </mc:Choice>
-    <mc:Fallback>
+    <mc:Fallback xmlns="">
       <p:transition spd="med">
         <p:fade/>
       </p:transition>
@@ -1501,13 +1501,13 @@
   <p:clrMapOvr>
     <a:masterClrMapping/>
   </p:clrMapOvr>
-  <mc:AlternateContent xmlns:mc="http://schemas.openxmlformats.org/markup-compatibility/2006">
-    <mc:Choice xmlns:p14="http://schemas.microsoft.com/office/powerpoint/2010/main" Requires="p14">
+  <mc:AlternateContent xmlns:mc="http://schemas.openxmlformats.org/markup-compatibility/2006" xmlns:p14="http://schemas.microsoft.com/office/powerpoint/2010/main">
+    <mc:Choice Requires="p14">
       <p:transition spd="med" p14:dur="700">
         <p:fade/>
       </p:transition>
     </mc:Choice>
-    <mc:Fallback>
+    <mc:Fallback xmlns="">
       <p:transition spd="med">
         <p:fade/>
       </p:transition>
@@ -1678,7 +1678,7 @@
           <a:p>
             <a:fld id="{FAB0DCB5-3038-4723-8E60-C9438461B5C6}" type="datetimeFigureOut">
               <a:rPr lang="en-GB" smtClean="0"/>
-              <a:t>06/06/2022</a:t>
+              <a:t>07/06/2022</a:t>
             </a:fld>
             <a:endParaRPr lang="en-GB"/>
           </a:p>
@@ -1771,13 +1771,13 @@
     <p:sldLayoutId id="2147483651" r:id="rId3"/>
     <p:sldLayoutId id="2147483652" r:id="rId4"/>
   </p:sldLayoutIdLst>
-  <mc:AlternateContent xmlns:mc="http://schemas.openxmlformats.org/markup-compatibility/2006">
-    <mc:Choice xmlns:p14="http://schemas.microsoft.com/office/powerpoint/2010/main" Requires="p14">
+  <mc:AlternateContent xmlns:mc="http://schemas.openxmlformats.org/markup-compatibility/2006" xmlns:p14="http://schemas.microsoft.com/office/powerpoint/2010/main">
+    <mc:Choice Requires="p14">
       <p:transition spd="med" p14:dur="700">
         <p:fade/>
       </p:transition>
     </mc:Choice>
-    <mc:Fallback>
+    <mc:Fallback xmlns="">
       <p:transition spd="med">
         <p:fade/>
       </p:transition>
@@ -2259,7 +2259,7 @@
                   <a:sysClr val="windowText" lastClr="000000"/>
                 </a:solidFill>
               </a:rPr>
-              <a:t>Member</a:t>
+              <a:t>Members</a:t>
             </a:r>
             <a:endParaRPr lang="en-GB" sz="1600" b="1" dirty="0">
               <a:solidFill>
@@ -2362,13 +2362,13 @@
   <p:clrMapOvr>
     <a:masterClrMapping/>
   </p:clrMapOvr>
-  <mc:AlternateContent xmlns:mc="http://schemas.openxmlformats.org/markup-compatibility/2006">
-    <mc:Choice xmlns:p14="http://schemas.microsoft.com/office/powerpoint/2010/main" Requires="p14">
+  <mc:AlternateContent xmlns:mc="http://schemas.openxmlformats.org/markup-compatibility/2006" xmlns:p14="http://schemas.microsoft.com/office/powerpoint/2010/main">
+    <mc:Choice Requires="p14">
       <p:transition spd="med" p14:dur="700">
         <p:fade/>
       </p:transition>
     </mc:Choice>
-    <mc:Fallback>
+    <mc:Fallback xmlns="">
       <p:transition spd="med">
         <p:fade/>
       </p:transition>
@@ -2562,13 +2562,13 @@
   <p:clrMapOvr>
     <a:masterClrMapping/>
   </p:clrMapOvr>
-  <mc:AlternateContent xmlns:mc="http://schemas.openxmlformats.org/markup-compatibility/2006">
-    <mc:Choice xmlns:p14="http://schemas.microsoft.com/office/powerpoint/2010/main" Requires="p14">
+  <mc:AlternateContent xmlns:mc="http://schemas.openxmlformats.org/markup-compatibility/2006" xmlns:p14="http://schemas.microsoft.com/office/powerpoint/2010/main">
+    <mc:Choice Requires="p14">
       <p:transition spd="med" p14:dur="700">
         <p:fade/>
       </p:transition>
     </mc:Choice>
-    <mc:Fallback>
+    <mc:Fallback xmlns="">
       <p:transition spd="med">
         <p:fade/>
       </p:transition>
@@ -2775,18 +2775,112 @@
           </a:p>
         </p:txBody>
       </p:sp>
+      <p:pic>
+        <p:nvPicPr>
+          <p:cNvPr id="4" name="Picture 3"/>
+          <p:cNvPicPr>
+            <a:picLocks noChangeAspect="1"/>
+          </p:cNvPicPr>
+          <p:nvPr/>
+        </p:nvPicPr>
+        <p:blipFill>
+          <a:blip r:embed="rId2">
+            <a:extLst>
+              <a:ext uri="{28A0092B-C50C-407E-A947-70E740481C1C}">
+                <a14:useLocalDpi xmlns:a14="http://schemas.microsoft.com/office/drawing/2010/main" val="0"/>
+              </a:ext>
+            </a:extLst>
+          </a:blip>
+          <a:stretch>
+            <a:fillRect/>
+          </a:stretch>
+        </p:blipFill>
+        <p:spPr>
+          <a:xfrm>
+            <a:off x="1373332" y="2439637"/>
+            <a:ext cx="2628900" cy="2857500"/>
+          </a:xfrm>
+          <a:prstGeom prst="rect">
+            <a:avLst/>
+          </a:prstGeom>
+        </p:spPr>
+      </p:pic>
+      <p:cxnSp>
+        <p:nvCxnSpPr>
+          <p:cNvPr id="6" name="Elbow Connector 5"/>
+          <p:cNvCxnSpPr/>
+          <p:nvPr/>
+        </p:nvCxnSpPr>
+        <p:spPr>
+          <a:xfrm flipV="1">
+            <a:off x="1270657" y="2315684"/>
+            <a:ext cx="807522" cy="736270"/>
+          </a:xfrm>
+          <a:prstGeom prst="bentConnector3">
+            <a:avLst>
+              <a:gd name="adj1" fmla="val 1471"/>
+            </a:avLst>
+          </a:prstGeom>
+        </p:spPr>
+        <p:style>
+          <a:lnRef idx="3">
+            <a:schemeClr val="dk1"/>
+          </a:lnRef>
+          <a:fillRef idx="0">
+            <a:schemeClr val="dk1"/>
+          </a:fillRef>
+          <a:effectRef idx="2">
+            <a:schemeClr val="dk1"/>
+          </a:effectRef>
+          <a:fontRef idx="minor">
+            <a:schemeClr val="tx1"/>
+          </a:fontRef>
+        </p:style>
+      </p:cxnSp>
+      <p:cxnSp>
+        <p:nvCxnSpPr>
+          <p:cNvPr id="10" name="Elbow Connector 9"/>
+          <p:cNvCxnSpPr/>
+          <p:nvPr/>
+        </p:nvCxnSpPr>
+        <p:spPr>
+          <a:xfrm flipV="1">
+            <a:off x="3287487" y="4665021"/>
+            <a:ext cx="807522" cy="736270"/>
+          </a:xfrm>
+          <a:prstGeom prst="bentConnector3">
+            <a:avLst>
+              <a:gd name="adj1" fmla="val 100000"/>
+            </a:avLst>
+          </a:prstGeom>
+        </p:spPr>
+        <p:style>
+          <a:lnRef idx="3">
+            <a:schemeClr val="dk1"/>
+          </a:lnRef>
+          <a:fillRef idx="0">
+            <a:schemeClr val="dk1"/>
+          </a:fillRef>
+          <a:effectRef idx="2">
+            <a:schemeClr val="dk1"/>
+          </a:effectRef>
+          <a:fontRef idx="minor">
+            <a:schemeClr val="tx1"/>
+          </a:fontRef>
+        </p:style>
+      </p:cxnSp>
     </p:spTree>
   </p:cSld>
   <p:clrMapOvr>
     <a:masterClrMapping/>
   </p:clrMapOvr>
-  <mc:AlternateContent xmlns:mc="http://schemas.openxmlformats.org/markup-compatibility/2006">
-    <mc:Choice xmlns:p14="http://schemas.microsoft.com/office/powerpoint/2010/main" Requires="p14">
+  <mc:AlternateContent xmlns:mc="http://schemas.openxmlformats.org/markup-compatibility/2006" xmlns:p14="http://schemas.microsoft.com/office/powerpoint/2010/main">
+    <mc:Choice Requires="p14">
       <p:transition spd="med" p14:dur="700">
         <p:fade/>
       </p:transition>
     </mc:Choice>
-    <mc:Fallback>
+    <mc:Fallback xmlns="">
       <p:transition spd="med">
         <p:fade/>
       </p:transition>
@@ -3073,13 +3167,13 @@
   <p:clrMapOvr>
     <a:masterClrMapping/>
   </p:clrMapOvr>
-  <mc:AlternateContent xmlns:mc="http://schemas.openxmlformats.org/markup-compatibility/2006">
-    <mc:Choice xmlns:p14="http://schemas.microsoft.com/office/powerpoint/2010/main" Requires="p14">
+  <mc:AlternateContent xmlns:mc="http://schemas.openxmlformats.org/markup-compatibility/2006" xmlns:p14="http://schemas.microsoft.com/office/powerpoint/2010/main">
+    <mc:Choice Requires="p14">
       <p:transition spd="med" p14:dur="700">
         <p:fade/>
       </p:transition>
     </mc:Choice>
-    <mc:Fallback>
+    <mc:Fallback xmlns="">
       <p:transition spd="med">
         <p:fade/>
       </p:transition>
@@ -3418,13 +3512,13 @@
   <p:clrMapOvr>
     <a:masterClrMapping/>
   </p:clrMapOvr>
-  <mc:AlternateContent xmlns:mc="http://schemas.openxmlformats.org/markup-compatibility/2006">
-    <mc:Choice xmlns:p14="http://schemas.microsoft.com/office/powerpoint/2010/main" Requires="p14">
+  <mc:AlternateContent xmlns:mc="http://schemas.openxmlformats.org/markup-compatibility/2006" xmlns:p14="http://schemas.microsoft.com/office/powerpoint/2010/main">
+    <mc:Choice Requires="p14">
       <p:transition spd="med" p14:dur="700">
         <p:fade/>
       </p:transition>
     </mc:Choice>
-    <mc:Fallback>
+    <mc:Fallback xmlns="">
       <p:transition spd="med">
         <p:fade/>
       </p:transition>
@@ -3708,13 +3802,13 @@
   <p:clrMapOvr>
     <a:masterClrMapping/>
   </p:clrMapOvr>
-  <mc:AlternateContent xmlns:mc="http://schemas.openxmlformats.org/markup-compatibility/2006">
-    <mc:Choice xmlns:p14="http://schemas.microsoft.com/office/powerpoint/2010/main" Requires="p14">
+  <mc:AlternateContent xmlns:mc="http://schemas.openxmlformats.org/markup-compatibility/2006" xmlns:p14="http://schemas.microsoft.com/office/powerpoint/2010/main">
+    <mc:Choice Requires="p14">
       <p:transition spd="med" p14:dur="700">
         <p:fade/>
       </p:transition>
     </mc:Choice>
-    <mc:Fallback>
+    <mc:Fallback xmlns="">
       <p:transition spd="med">
         <p:fade/>
       </p:transition>
@@ -4102,13 +4196,13 @@
   <p:clrMapOvr>
     <a:masterClrMapping/>
   </p:clrMapOvr>
-  <mc:AlternateContent xmlns:mc="http://schemas.openxmlformats.org/markup-compatibility/2006">
-    <mc:Choice xmlns:p14="http://schemas.microsoft.com/office/powerpoint/2010/main" Requires="p14">
+  <mc:AlternateContent xmlns:mc="http://schemas.openxmlformats.org/markup-compatibility/2006" xmlns:p14="http://schemas.microsoft.com/office/powerpoint/2010/main">
+    <mc:Choice Requires="p14">
       <p:transition spd="med" p14:dur="700">
         <p:fade/>
       </p:transition>
     </mc:Choice>
-    <mc:Fallback>
+    <mc:Fallback xmlns="">
       <p:transition spd="med">
         <p:fade/>
       </p:transition>
@@ -4629,13 +4723,13 @@
   <p:clrMapOvr>
     <a:masterClrMapping/>
   </p:clrMapOvr>
-  <mc:AlternateContent xmlns:mc="http://schemas.openxmlformats.org/markup-compatibility/2006">
-    <mc:Choice xmlns:p14="http://schemas.microsoft.com/office/powerpoint/2010/main" Requires="p14">
+  <mc:AlternateContent xmlns:mc="http://schemas.openxmlformats.org/markup-compatibility/2006" xmlns:p14="http://schemas.microsoft.com/office/powerpoint/2010/main">
+    <mc:Choice Requires="p14">
       <p:transition spd="med" p14:dur="700">
         <p:fade/>
       </p:transition>
     </mc:Choice>
-    <mc:Fallback>
+    <mc:Fallback xmlns="">
       <p:transition spd="med">
         <p:fade/>
       </p:transition>
@@ -4815,13 +4909,13 @@
   <p:clrMapOvr>
     <a:masterClrMapping/>
   </p:clrMapOvr>
-  <mc:AlternateContent xmlns:mc="http://schemas.openxmlformats.org/markup-compatibility/2006">
-    <mc:Choice xmlns:p14="http://schemas.microsoft.com/office/powerpoint/2010/main" Requires="p14">
+  <mc:AlternateContent xmlns:mc="http://schemas.openxmlformats.org/markup-compatibility/2006" xmlns:p14="http://schemas.microsoft.com/office/powerpoint/2010/main">
+    <mc:Choice Requires="p14">
       <p:transition spd="med" p14:dur="700">
         <p:fade/>
       </p:transition>
     </mc:Choice>
-    <mc:Fallback>
+    <mc:Fallback xmlns="">
       <p:transition spd="med">
         <p:fade/>
       </p:transition>
@@ -5219,7 +5313,7 @@
                   <a:sysClr val="windowText" lastClr="000000"/>
                 </a:solidFill>
               </a:rPr>
-              <a:t>Member</a:t>
+              <a:t>Members</a:t>
             </a:r>
             <a:endParaRPr lang="en-GB" sz="1600" b="1" dirty="0">
               <a:solidFill>
@@ -5327,13 +5421,13 @@
   <p:clrMapOvr>
     <a:masterClrMapping/>
   </p:clrMapOvr>
-  <mc:AlternateContent xmlns:mc="http://schemas.openxmlformats.org/markup-compatibility/2006">
-    <mc:Choice xmlns:p14="http://schemas.microsoft.com/office/powerpoint/2010/main" Requires="p14">
+  <mc:AlternateContent xmlns:mc="http://schemas.openxmlformats.org/markup-compatibility/2006" xmlns:p14="http://schemas.microsoft.com/office/powerpoint/2010/main">
+    <mc:Choice Requires="p14">
       <p:transition spd="med" p14:dur="700">
         <p:fade/>
       </p:transition>
     </mc:Choice>
-    <mc:Fallback>
+    <mc:Fallback xmlns="">
       <p:transition spd="med">
         <p:fade/>
       </p:transition>
@@ -5604,7 +5698,7 @@
   <a:extraClrSchemeLst/>
   <a:extLst>
     <a:ext uri="{05A4C25C-085E-4340-85A3-A5531E510DB2}">
-      <thm15:themeFamily xmlns:thm15="http://schemas.microsoft.com/office/thememl/2012/main" xmlns="" name="Office Theme" id="{62F939B6-93AF-4DB8-9C6B-D6C7DFDC589F}" vid="{4A3C46E8-61CC-4603-A589-7422A47A8E4A}"/>
+      <thm15:themeFamily xmlns="" xmlns:thm15="http://schemas.microsoft.com/office/thememl/2012/main" name="Office Theme" id="{62F939B6-93AF-4DB8-9C6B-D6C7DFDC589F}" vid="{4A3C46E8-61CC-4603-A589-7422A47A8E4A}"/>
     </a:ext>
   </a:extLst>
 </a:theme>
@@ -5865,7 +5959,7 @@
   <a:extraClrSchemeLst/>
   <a:extLst>
     <a:ext uri="{05A4C25C-085E-4340-85A3-A5531E510DB2}">
-      <thm15:themeFamily xmlns:thm15="http://schemas.microsoft.com/office/thememl/2012/main" xmlns="" name="Office Theme" id="{62F939B6-93AF-4DB8-9C6B-D6C7DFDC589F}" vid="{4A3C46E8-61CC-4603-A589-7422A47A8E4A}"/>
+      <thm15:themeFamily xmlns="" xmlns:thm15="http://schemas.microsoft.com/office/thememl/2012/main" name="Office Theme" id="{62F939B6-93AF-4DB8-9C6B-D6C7DFDC589F}" vid="{4A3C46E8-61CC-4603-A589-7422A47A8E4A}"/>
     </a:ext>
   </a:extLst>
 </a:theme>
